--- a/交通事故分析 2.pptx
+++ b/交通事故分析 2.pptx
@@ -8,6 +8,7 @@
     <p:sldId id="260" r:id="rId2"/>
     <p:sldId id="261" r:id="rId3"/>
     <p:sldId id="263" r:id="rId4"/>
+    <p:sldId id="264" r:id="rId5"/>
   </p:sldIdLst>
   <p:sldSz cx="12192000" cy="6858000"/>
   <p:notesSz cx="6858000" cy="9144000"/>
@@ -156,10 +157,9 @@
           </a:lstStyle>
           <a:p>
             <a:r>
-              <a:rPr lang="zh-TW" altLang="en-US" smtClean="0"/>
+              <a:rPr lang="zh-TW" altLang="en-US"/>
               <a:t>按一下以編輯母片標題樣式</a:t>
             </a:r>
-            <a:endParaRPr lang="zh-TW" altLang="en-US"/>
           </a:p>
         </p:txBody>
       </p:sp>
@@ -221,10 +221,9 @@
           </a:lstStyle>
           <a:p>
             <a:r>
-              <a:rPr lang="zh-TW" altLang="en-US" smtClean="0"/>
+              <a:rPr lang="zh-TW" altLang="en-US"/>
               <a:t>按一下以編輯母片副標題樣式</a:t>
             </a:r>
-            <a:endParaRPr lang="zh-TW" altLang="en-US"/>
           </a:p>
         </p:txBody>
       </p:sp>
@@ -245,7 +244,7 @@
           <a:p>
             <a:fld id="{3C7091D5-6E74-4B5F-99D8-9C9FB68C08A7}" type="datetimeFigureOut">
               <a:rPr lang="zh-TW" altLang="en-US" smtClean="0"/>
-              <a:t>2022/12/12</a:t>
+              <a:t>2022/12/26</a:t>
             </a:fld>
             <a:endParaRPr lang="zh-TW" altLang="en-US"/>
           </a:p>
@@ -339,10 +338,9 @@
           <a:lstStyle/>
           <a:p>
             <a:r>
-              <a:rPr lang="zh-TW" altLang="en-US" smtClean="0"/>
+              <a:rPr lang="zh-TW" altLang="en-US"/>
               <a:t>按一下以編輯母片標題樣式</a:t>
             </a:r>
-            <a:endParaRPr lang="zh-TW" altLang="en-US"/>
           </a:p>
         </p:txBody>
       </p:sp>
@@ -363,38 +361,37 @@
           <a:p>
             <a:pPr lvl="0"/>
             <a:r>
-              <a:rPr lang="zh-TW" altLang="en-US" smtClean="0"/>
+              <a:rPr lang="zh-TW" altLang="en-US"/>
               <a:t>編輯母片文字樣式</a:t>
             </a:r>
           </a:p>
           <a:p>
             <a:pPr lvl="1"/>
             <a:r>
-              <a:rPr lang="zh-TW" altLang="en-US" smtClean="0"/>
+              <a:rPr lang="zh-TW" altLang="en-US"/>
               <a:t>第二層</a:t>
             </a:r>
           </a:p>
           <a:p>
             <a:pPr lvl="2"/>
             <a:r>
-              <a:rPr lang="zh-TW" altLang="en-US" smtClean="0"/>
+              <a:rPr lang="zh-TW" altLang="en-US"/>
               <a:t>第三層</a:t>
             </a:r>
           </a:p>
           <a:p>
             <a:pPr lvl="3"/>
             <a:r>
-              <a:rPr lang="zh-TW" altLang="en-US" smtClean="0"/>
+              <a:rPr lang="zh-TW" altLang="en-US"/>
               <a:t>第四層</a:t>
             </a:r>
           </a:p>
           <a:p>
             <a:pPr lvl="4"/>
             <a:r>
-              <a:rPr lang="zh-TW" altLang="en-US" smtClean="0"/>
+              <a:rPr lang="zh-TW" altLang="en-US"/>
               <a:t>第五層</a:t>
             </a:r>
-            <a:endParaRPr lang="zh-TW" altLang="en-US"/>
           </a:p>
         </p:txBody>
       </p:sp>
@@ -415,7 +412,7 @@
           <a:p>
             <a:fld id="{3C7091D5-6E74-4B5F-99D8-9C9FB68C08A7}" type="datetimeFigureOut">
               <a:rPr lang="zh-TW" altLang="en-US" smtClean="0"/>
-              <a:t>2022/12/12</a:t>
+              <a:t>2022/12/26</a:t>
             </a:fld>
             <a:endParaRPr lang="zh-TW" altLang="en-US"/>
           </a:p>
@@ -514,10 +511,9 @@
           <a:lstStyle/>
           <a:p>
             <a:r>
-              <a:rPr lang="zh-TW" altLang="en-US" smtClean="0"/>
+              <a:rPr lang="zh-TW" altLang="en-US"/>
               <a:t>按一下以編輯母片標題樣式</a:t>
             </a:r>
-            <a:endParaRPr lang="zh-TW" altLang="en-US"/>
           </a:p>
         </p:txBody>
       </p:sp>
@@ -543,38 +539,37 @@
           <a:p>
             <a:pPr lvl="0"/>
             <a:r>
-              <a:rPr lang="zh-TW" altLang="en-US" smtClean="0"/>
+              <a:rPr lang="zh-TW" altLang="en-US"/>
               <a:t>編輯母片文字樣式</a:t>
             </a:r>
           </a:p>
           <a:p>
             <a:pPr lvl="1"/>
             <a:r>
-              <a:rPr lang="zh-TW" altLang="en-US" smtClean="0"/>
+              <a:rPr lang="zh-TW" altLang="en-US"/>
               <a:t>第二層</a:t>
             </a:r>
           </a:p>
           <a:p>
             <a:pPr lvl="2"/>
             <a:r>
-              <a:rPr lang="zh-TW" altLang="en-US" smtClean="0"/>
+              <a:rPr lang="zh-TW" altLang="en-US"/>
               <a:t>第三層</a:t>
             </a:r>
           </a:p>
           <a:p>
             <a:pPr lvl="3"/>
             <a:r>
-              <a:rPr lang="zh-TW" altLang="en-US" smtClean="0"/>
+              <a:rPr lang="zh-TW" altLang="en-US"/>
               <a:t>第四層</a:t>
             </a:r>
           </a:p>
           <a:p>
             <a:pPr lvl="4"/>
             <a:r>
-              <a:rPr lang="zh-TW" altLang="en-US" smtClean="0"/>
+              <a:rPr lang="zh-TW" altLang="en-US"/>
               <a:t>第五層</a:t>
             </a:r>
-            <a:endParaRPr lang="zh-TW" altLang="en-US"/>
           </a:p>
         </p:txBody>
       </p:sp>
@@ -595,7 +590,7 @@
           <a:p>
             <a:fld id="{3C7091D5-6E74-4B5F-99D8-9C9FB68C08A7}" type="datetimeFigureOut">
               <a:rPr lang="zh-TW" altLang="en-US" smtClean="0"/>
-              <a:t>2022/12/12</a:t>
+              <a:t>2022/12/26</a:t>
             </a:fld>
             <a:endParaRPr lang="zh-TW" altLang="en-US"/>
           </a:p>
@@ -689,10 +684,9 @@
           <a:lstStyle/>
           <a:p>
             <a:r>
-              <a:rPr lang="zh-TW" altLang="en-US" smtClean="0"/>
+              <a:rPr lang="zh-TW" altLang="en-US"/>
               <a:t>按一下以編輯母片標題樣式</a:t>
             </a:r>
-            <a:endParaRPr lang="zh-TW" altLang="en-US"/>
           </a:p>
         </p:txBody>
       </p:sp>
@@ -713,38 +707,37 @@
           <a:p>
             <a:pPr lvl="0"/>
             <a:r>
-              <a:rPr lang="zh-TW" altLang="en-US" smtClean="0"/>
+              <a:rPr lang="zh-TW" altLang="en-US"/>
               <a:t>編輯母片文字樣式</a:t>
             </a:r>
           </a:p>
           <a:p>
             <a:pPr lvl="1"/>
             <a:r>
-              <a:rPr lang="zh-TW" altLang="en-US" smtClean="0"/>
+              <a:rPr lang="zh-TW" altLang="en-US"/>
               <a:t>第二層</a:t>
             </a:r>
           </a:p>
           <a:p>
             <a:pPr lvl="2"/>
             <a:r>
-              <a:rPr lang="zh-TW" altLang="en-US" smtClean="0"/>
+              <a:rPr lang="zh-TW" altLang="en-US"/>
               <a:t>第三層</a:t>
             </a:r>
           </a:p>
           <a:p>
             <a:pPr lvl="3"/>
             <a:r>
-              <a:rPr lang="zh-TW" altLang="en-US" smtClean="0"/>
+              <a:rPr lang="zh-TW" altLang="en-US"/>
               <a:t>第四層</a:t>
             </a:r>
           </a:p>
           <a:p>
             <a:pPr lvl="4"/>
             <a:r>
-              <a:rPr lang="zh-TW" altLang="en-US" smtClean="0"/>
+              <a:rPr lang="zh-TW" altLang="en-US"/>
               <a:t>第五層</a:t>
             </a:r>
-            <a:endParaRPr lang="zh-TW" altLang="en-US"/>
           </a:p>
         </p:txBody>
       </p:sp>
@@ -765,7 +758,7 @@
           <a:p>
             <a:fld id="{3C7091D5-6E74-4B5F-99D8-9C9FB68C08A7}" type="datetimeFigureOut">
               <a:rPr lang="zh-TW" altLang="en-US" smtClean="0"/>
-              <a:t>2022/12/12</a:t>
+              <a:t>2022/12/26</a:t>
             </a:fld>
             <a:endParaRPr lang="zh-TW" altLang="en-US"/>
           </a:p>
@@ -868,10 +861,9 @@
           </a:lstStyle>
           <a:p>
             <a:r>
-              <a:rPr lang="zh-TW" altLang="en-US" smtClean="0"/>
+              <a:rPr lang="zh-TW" altLang="en-US"/>
               <a:t>按一下以編輯母片標題樣式</a:t>
             </a:r>
-            <a:endParaRPr lang="zh-TW" altLang="en-US"/>
           </a:p>
         </p:txBody>
       </p:sp>
@@ -988,7 +980,7 @@
           <a:p>
             <a:pPr lvl="0"/>
             <a:r>
-              <a:rPr lang="zh-TW" altLang="en-US" smtClean="0"/>
+              <a:rPr lang="zh-TW" altLang="en-US"/>
               <a:t>編輯母片文字樣式</a:t>
             </a:r>
           </a:p>
@@ -1011,7 +1003,7 @@
           <a:p>
             <a:fld id="{3C7091D5-6E74-4B5F-99D8-9C9FB68C08A7}" type="datetimeFigureOut">
               <a:rPr lang="zh-TW" altLang="en-US" smtClean="0"/>
-              <a:t>2022/12/12</a:t>
+              <a:t>2022/12/26</a:t>
             </a:fld>
             <a:endParaRPr lang="zh-TW" altLang="en-US"/>
           </a:p>
@@ -1105,10 +1097,9 @@
           <a:lstStyle/>
           <a:p>
             <a:r>
-              <a:rPr lang="zh-TW" altLang="en-US" smtClean="0"/>
+              <a:rPr lang="zh-TW" altLang="en-US"/>
               <a:t>按一下以編輯母片標題樣式</a:t>
             </a:r>
-            <a:endParaRPr lang="zh-TW" altLang="en-US"/>
           </a:p>
         </p:txBody>
       </p:sp>
@@ -1134,38 +1125,37 @@
           <a:p>
             <a:pPr lvl="0"/>
             <a:r>
-              <a:rPr lang="zh-TW" altLang="en-US" smtClean="0"/>
+              <a:rPr lang="zh-TW" altLang="en-US"/>
               <a:t>編輯母片文字樣式</a:t>
             </a:r>
           </a:p>
           <a:p>
             <a:pPr lvl="1"/>
             <a:r>
-              <a:rPr lang="zh-TW" altLang="en-US" smtClean="0"/>
+              <a:rPr lang="zh-TW" altLang="en-US"/>
               <a:t>第二層</a:t>
             </a:r>
           </a:p>
           <a:p>
             <a:pPr lvl="2"/>
             <a:r>
-              <a:rPr lang="zh-TW" altLang="en-US" smtClean="0"/>
+              <a:rPr lang="zh-TW" altLang="en-US"/>
               <a:t>第三層</a:t>
             </a:r>
           </a:p>
           <a:p>
             <a:pPr lvl="3"/>
             <a:r>
-              <a:rPr lang="zh-TW" altLang="en-US" smtClean="0"/>
+              <a:rPr lang="zh-TW" altLang="en-US"/>
               <a:t>第四層</a:t>
             </a:r>
           </a:p>
           <a:p>
             <a:pPr lvl="4"/>
             <a:r>
-              <a:rPr lang="zh-TW" altLang="en-US" smtClean="0"/>
+              <a:rPr lang="zh-TW" altLang="en-US"/>
               <a:t>第五層</a:t>
             </a:r>
-            <a:endParaRPr lang="zh-TW" altLang="en-US"/>
           </a:p>
         </p:txBody>
       </p:sp>
@@ -1191,38 +1181,37 @@
           <a:p>
             <a:pPr lvl="0"/>
             <a:r>
-              <a:rPr lang="zh-TW" altLang="en-US" smtClean="0"/>
+              <a:rPr lang="zh-TW" altLang="en-US"/>
               <a:t>編輯母片文字樣式</a:t>
             </a:r>
           </a:p>
           <a:p>
             <a:pPr lvl="1"/>
             <a:r>
-              <a:rPr lang="zh-TW" altLang="en-US" smtClean="0"/>
+              <a:rPr lang="zh-TW" altLang="en-US"/>
               <a:t>第二層</a:t>
             </a:r>
           </a:p>
           <a:p>
             <a:pPr lvl="2"/>
             <a:r>
-              <a:rPr lang="zh-TW" altLang="en-US" smtClean="0"/>
+              <a:rPr lang="zh-TW" altLang="en-US"/>
               <a:t>第三層</a:t>
             </a:r>
           </a:p>
           <a:p>
             <a:pPr lvl="3"/>
             <a:r>
-              <a:rPr lang="zh-TW" altLang="en-US" smtClean="0"/>
+              <a:rPr lang="zh-TW" altLang="en-US"/>
               <a:t>第四層</a:t>
             </a:r>
           </a:p>
           <a:p>
             <a:pPr lvl="4"/>
             <a:r>
-              <a:rPr lang="zh-TW" altLang="en-US" smtClean="0"/>
+              <a:rPr lang="zh-TW" altLang="en-US"/>
               <a:t>第五層</a:t>
             </a:r>
-            <a:endParaRPr lang="zh-TW" altLang="en-US"/>
           </a:p>
         </p:txBody>
       </p:sp>
@@ -1243,7 +1232,7 @@
           <a:p>
             <a:fld id="{3C7091D5-6E74-4B5F-99D8-9C9FB68C08A7}" type="datetimeFigureOut">
               <a:rPr lang="zh-TW" altLang="en-US" smtClean="0"/>
-              <a:t>2022/12/12</a:t>
+              <a:t>2022/12/26</a:t>
             </a:fld>
             <a:endParaRPr lang="zh-TW" altLang="en-US"/>
           </a:p>
@@ -1342,10 +1331,9 @@
           <a:lstStyle/>
           <a:p>
             <a:r>
-              <a:rPr lang="zh-TW" altLang="en-US" smtClean="0"/>
+              <a:rPr lang="zh-TW" altLang="en-US"/>
               <a:t>按一下以編輯母片標題樣式</a:t>
             </a:r>
-            <a:endParaRPr lang="zh-TW" altLang="en-US"/>
           </a:p>
         </p:txBody>
       </p:sp>
@@ -1408,7 +1396,7 @@
           <a:p>
             <a:pPr lvl="0"/>
             <a:r>
-              <a:rPr lang="zh-TW" altLang="en-US" smtClean="0"/>
+              <a:rPr lang="zh-TW" altLang="en-US"/>
               <a:t>編輯母片文字樣式</a:t>
             </a:r>
           </a:p>
@@ -1436,38 +1424,37 @@
           <a:p>
             <a:pPr lvl="0"/>
             <a:r>
-              <a:rPr lang="zh-TW" altLang="en-US" smtClean="0"/>
+              <a:rPr lang="zh-TW" altLang="en-US"/>
               <a:t>編輯母片文字樣式</a:t>
             </a:r>
           </a:p>
           <a:p>
             <a:pPr lvl="1"/>
             <a:r>
-              <a:rPr lang="zh-TW" altLang="en-US" smtClean="0"/>
+              <a:rPr lang="zh-TW" altLang="en-US"/>
               <a:t>第二層</a:t>
             </a:r>
           </a:p>
           <a:p>
             <a:pPr lvl="2"/>
             <a:r>
-              <a:rPr lang="zh-TW" altLang="en-US" smtClean="0"/>
+              <a:rPr lang="zh-TW" altLang="en-US"/>
               <a:t>第三層</a:t>
             </a:r>
           </a:p>
           <a:p>
             <a:pPr lvl="3"/>
             <a:r>
-              <a:rPr lang="zh-TW" altLang="en-US" smtClean="0"/>
+              <a:rPr lang="zh-TW" altLang="en-US"/>
               <a:t>第四層</a:t>
             </a:r>
           </a:p>
           <a:p>
             <a:pPr lvl="4"/>
             <a:r>
-              <a:rPr lang="zh-TW" altLang="en-US" smtClean="0"/>
+              <a:rPr lang="zh-TW" altLang="en-US"/>
               <a:t>第五層</a:t>
             </a:r>
-            <a:endParaRPr lang="zh-TW" altLang="en-US"/>
           </a:p>
         </p:txBody>
       </p:sp>
@@ -1530,7 +1517,7 @@
           <a:p>
             <a:pPr lvl="0"/>
             <a:r>
-              <a:rPr lang="zh-TW" altLang="en-US" smtClean="0"/>
+              <a:rPr lang="zh-TW" altLang="en-US"/>
               <a:t>編輯母片文字樣式</a:t>
             </a:r>
           </a:p>
@@ -1558,38 +1545,37 @@
           <a:p>
             <a:pPr lvl="0"/>
             <a:r>
-              <a:rPr lang="zh-TW" altLang="en-US" smtClean="0"/>
+              <a:rPr lang="zh-TW" altLang="en-US"/>
               <a:t>編輯母片文字樣式</a:t>
             </a:r>
           </a:p>
           <a:p>
             <a:pPr lvl="1"/>
             <a:r>
-              <a:rPr lang="zh-TW" altLang="en-US" smtClean="0"/>
+              <a:rPr lang="zh-TW" altLang="en-US"/>
               <a:t>第二層</a:t>
             </a:r>
           </a:p>
           <a:p>
             <a:pPr lvl="2"/>
             <a:r>
-              <a:rPr lang="zh-TW" altLang="en-US" smtClean="0"/>
+              <a:rPr lang="zh-TW" altLang="en-US"/>
               <a:t>第三層</a:t>
             </a:r>
           </a:p>
           <a:p>
             <a:pPr lvl="3"/>
             <a:r>
-              <a:rPr lang="zh-TW" altLang="en-US" smtClean="0"/>
+              <a:rPr lang="zh-TW" altLang="en-US"/>
               <a:t>第四層</a:t>
             </a:r>
           </a:p>
           <a:p>
             <a:pPr lvl="4"/>
             <a:r>
-              <a:rPr lang="zh-TW" altLang="en-US" smtClean="0"/>
+              <a:rPr lang="zh-TW" altLang="en-US"/>
               <a:t>第五層</a:t>
             </a:r>
-            <a:endParaRPr lang="zh-TW" altLang="en-US"/>
           </a:p>
         </p:txBody>
       </p:sp>
@@ -1610,7 +1596,7 @@
           <a:p>
             <a:fld id="{3C7091D5-6E74-4B5F-99D8-9C9FB68C08A7}" type="datetimeFigureOut">
               <a:rPr lang="zh-TW" altLang="en-US" smtClean="0"/>
-              <a:t>2022/12/12</a:t>
+              <a:t>2022/12/26</a:t>
             </a:fld>
             <a:endParaRPr lang="zh-TW" altLang="en-US"/>
           </a:p>
@@ -1704,10 +1690,9 @@
           <a:lstStyle/>
           <a:p>
             <a:r>
-              <a:rPr lang="zh-TW" altLang="en-US" smtClean="0"/>
+              <a:rPr lang="zh-TW" altLang="en-US"/>
               <a:t>按一下以編輯母片標題樣式</a:t>
             </a:r>
-            <a:endParaRPr lang="zh-TW" altLang="en-US"/>
           </a:p>
         </p:txBody>
       </p:sp>
@@ -1728,7 +1713,7 @@
           <a:p>
             <a:fld id="{3C7091D5-6E74-4B5F-99D8-9C9FB68C08A7}" type="datetimeFigureOut">
               <a:rPr lang="zh-TW" altLang="en-US" smtClean="0"/>
-              <a:t>2022/12/12</a:t>
+              <a:t>2022/12/26</a:t>
             </a:fld>
             <a:endParaRPr lang="zh-TW" altLang="en-US"/>
           </a:p>
@@ -1823,7 +1808,7 @@
           <a:p>
             <a:fld id="{3C7091D5-6E74-4B5F-99D8-9C9FB68C08A7}" type="datetimeFigureOut">
               <a:rPr lang="zh-TW" altLang="en-US" smtClean="0"/>
-              <a:t>2022/12/12</a:t>
+              <a:t>2022/12/26</a:t>
             </a:fld>
             <a:endParaRPr lang="zh-TW" altLang="en-US"/>
           </a:p>
@@ -1926,10 +1911,9 @@
           </a:lstStyle>
           <a:p>
             <a:r>
-              <a:rPr lang="zh-TW" altLang="en-US" smtClean="0"/>
+              <a:rPr lang="zh-TW" altLang="en-US"/>
               <a:t>按一下以編輯母片標題樣式</a:t>
             </a:r>
-            <a:endParaRPr lang="zh-TW" altLang="en-US"/>
           </a:p>
         </p:txBody>
       </p:sp>
@@ -1983,38 +1967,37 @@
           <a:p>
             <a:pPr lvl="0"/>
             <a:r>
-              <a:rPr lang="zh-TW" altLang="en-US" smtClean="0"/>
+              <a:rPr lang="zh-TW" altLang="en-US"/>
               <a:t>編輯母片文字樣式</a:t>
             </a:r>
           </a:p>
           <a:p>
             <a:pPr lvl="1"/>
             <a:r>
-              <a:rPr lang="zh-TW" altLang="en-US" smtClean="0"/>
+              <a:rPr lang="zh-TW" altLang="en-US"/>
               <a:t>第二層</a:t>
             </a:r>
           </a:p>
           <a:p>
             <a:pPr lvl="2"/>
             <a:r>
-              <a:rPr lang="zh-TW" altLang="en-US" smtClean="0"/>
+              <a:rPr lang="zh-TW" altLang="en-US"/>
               <a:t>第三層</a:t>
             </a:r>
           </a:p>
           <a:p>
             <a:pPr lvl="3"/>
             <a:r>
-              <a:rPr lang="zh-TW" altLang="en-US" smtClean="0"/>
+              <a:rPr lang="zh-TW" altLang="en-US"/>
               <a:t>第四層</a:t>
             </a:r>
           </a:p>
           <a:p>
             <a:pPr lvl="4"/>
             <a:r>
-              <a:rPr lang="zh-TW" altLang="en-US" smtClean="0"/>
+              <a:rPr lang="zh-TW" altLang="en-US"/>
               <a:t>第五層</a:t>
             </a:r>
-            <a:endParaRPr lang="zh-TW" altLang="en-US"/>
           </a:p>
         </p:txBody>
       </p:sp>
@@ -2077,7 +2060,7 @@
           <a:p>
             <a:pPr lvl="0"/>
             <a:r>
-              <a:rPr lang="zh-TW" altLang="en-US" smtClean="0"/>
+              <a:rPr lang="zh-TW" altLang="en-US"/>
               <a:t>編輯母片文字樣式</a:t>
             </a:r>
           </a:p>
@@ -2100,7 +2083,7 @@
           <a:p>
             <a:fld id="{3C7091D5-6E74-4B5F-99D8-9C9FB68C08A7}" type="datetimeFigureOut">
               <a:rPr lang="zh-TW" altLang="en-US" smtClean="0"/>
-              <a:t>2022/12/12</a:t>
+              <a:t>2022/12/26</a:t>
             </a:fld>
             <a:endParaRPr lang="zh-TW" altLang="en-US"/>
           </a:p>
@@ -2203,10 +2186,9 @@
           </a:lstStyle>
           <a:p>
             <a:r>
-              <a:rPr lang="zh-TW" altLang="en-US" smtClean="0"/>
+              <a:rPr lang="zh-TW" altLang="en-US"/>
               <a:t>按一下以編輯母片標題樣式</a:t>
             </a:r>
-            <a:endParaRPr lang="zh-TW" altLang="en-US"/>
           </a:p>
         </p:txBody>
       </p:sp>
@@ -2330,7 +2312,7 @@
           <a:p>
             <a:pPr lvl="0"/>
             <a:r>
-              <a:rPr lang="zh-TW" altLang="en-US" smtClean="0"/>
+              <a:rPr lang="zh-TW" altLang="en-US"/>
               <a:t>編輯母片文字樣式</a:t>
             </a:r>
           </a:p>
@@ -2353,7 +2335,7 @@
           <a:p>
             <a:fld id="{3C7091D5-6E74-4B5F-99D8-9C9FB68C08A7}" type="datetimeFigureOut">
               <a:rPr lang="zh-TW" altLang="en-US" smtClean="0"/>
-              <a:t>2022/12/12</a:t>
+              <a:t>2022/12/26</a:t>
             </a:fld>
             <a:endParaRPr lang="zh-TW" altLang="en-US"/>
           </a:p>
@@ -2462,10 +2444,9 @@
           <a:lstStyle/>
           <a:p>
             <a:r>
-              <a:rPr lang="zh-TW" altLang="en-US" smtClean="0"/>
+              <a:rPr lang="zh-TW" altLang="en-US"/>
               <a:t>按一下以編輯母片標題樣式</a:t>
             </a:r>
-            <a:endParaRPr lang="zh-TW" altLang="en-US"/>
           </a:p>
         </p:txBody>
       </p:sp>
@@ -2496,38 +2477,37 @@
           <a:p>
             <a:pPr lvl="0"/>
             <a:r>
-              <a:rPr lang="zh-TW" altLang="en-US" smtClean="0"/>
+              <a:rPr lang="zh-TW" altLang="en-US"/>
               <a:t>編輯母片文字樣式</a:t>
             </a:r>
           </a:p>
           <a:p>
             <a:pPr lvl="1"/>
             <a:r>
-              <a:rPr lang="zh-TW" altLang="en-US" smtClean="0"/>
+              <a:rPr lang="zh-TW" altLang="en-US"/>
               <a:t>第二層</a:t>
             </a:r>
           </a:p>
           <a:p>
             <a:pPr lvl="2"/>
             <a:r>
-              <a:rPr lang="zh-TW" altLang="en-US" smtClean="0"/>
+              <a:rPr lang="zh-TW" altLang="en-US"/>
               <a:t>第三層</a:t>
             </a:r>
           </a:p>
           <a:p>
             <a:pPr lvl="3"/>
             <a:r>
-              <a:rPr lang="zh-TW" altLang="en-US" smtClean="0"/>
+              <a:rPr lang="zh-TW" altLang="en-US"/>
               <a:t>第四層</a:t>
             </a:r>
           </a:p>
           <a:p>
             <a:pPr lvl="4"/>
             <a:r>
-              <a:rPr lang="zh-TW" altLang="en-US" smtClean="0"/>
+              <a:rPr lang="zh-TW" altLang="en-US"/>
               <a:t>第五層</a:t>
             </a:r>
-            <a:endParaRPr lang="zh-TW" altLang="en-US"/>
           </a:p>
         </p:txBody>
       </p:sp>
@@ -2566,7 +2546,7 @@
           <a:p>
             <a:fld id="{3C7091D5-6E74-4B5F-99D8-9C9FB68C08A7}" type="datetimeFigureOut">
               <a:rPr lang="zh-TW" altLang="en-US" smtClean="0"/>
-              <a:t>2022/12/12</a:t>
+              <a:t>2022/12/26</a:t>
             </a:fld>
             <a:endParaRPr lang="zh-TW" altLang="en-US"/>
           </a:p>
@@ -2999,10 +2979,9 @@
           <a:lstStyle/>
           <a:p>
             <a:r>
-              <a:rPr lang="zh-TW" altLang="en-US" sz="2000" dirty="0" smtClean="0"/>
+              <a:rPr lang="zh-TW" altLang="en-US" sz="2000" dirty="0"/>
               <a:t>欄位名稱</a:t>
             </a:r>
-            <a:endParaRPr lang="zh-TW" altLang="en-US" sz="2000" dirty="0"/>
           </a:p>
         </p:txBody>
       </p:sp>
@@ -3036,7 +3015,7 @@
               <a:rPr lang="zh-TW" altLang="en-US" b="1" dirty="0"/>
               <a:t>日期與時間</a:t>
             </a:r>
-            <a:endParaRPr lang="en-US" altLang="zh-TW" b="1" dirty="0" smtClean="0"/>
+            <a:endParaRPr lang="en-US" altLang="zh-TW" b="1" dirty="0"/>
           </a:p>
           <a:p>
             <a:pPr marL="742950" lvl="1" indent="-285750">
@@ -3045,13 +3024,9 @@
             </a:pPr>
             <a:r>
               <a:rPr lang="zh-TW" altLang="en-US" dirty="0"/>
-              <a:t>發生</a:t>
-            </a:r>
-            <a:r>
-              <a:rPr lang="zh-TW" altLang="en-US" dirty="0" smtClean="0"/>
-              <a:t>年度</a:t>
-            </a:r>
-            <a:endParaRPr lang="en-US" altLang="zh-TW" dirty="0" smtClean="0"/>
+              <a:t>發生年度</a:t>
+            </a:r>
+            <a:endParaRPr lang="en-US" altLang="zh-TW" dirty="0"/>
           </a:p>
           <a:p>
             <a:pPr marL="742950" lvl="1" indent="-285750">
@@ -3060,13 +3035,9 @@
             </a:pPr>
             <a:r>
               <a:rPr lang="zh-TW" altLang="en-US" dirty="0"/>
-              <a:t>發生</a:t>
-            </a:r>
-            <a:r>
-              <a:rPr lang="zh-TW" altLang="en-US" dirty="0" smtClean="0"/>
-              <a:t>月份</a:t>
-            </a:r>
-            <a:endParaRPr lang="en-US" altLang="zh-TW" dirty="0" smtClean="0"/>
+              <a:t>發生月份</a:t>
+            </a:r>
+            <a:endParaRPr lang="en-US" altLang="zh-TW" dirty="0"/>
           </a:p>
           <a:p>
             <a:pPr marL="742950" lvl="1" indent="-285750">
@@ -3075,13 +3046,9 @@
             </a:pPr>
             <a:r>
               <a:rPr lang="zh-TW" altLang="en-US" dirty="0"/>
-              <a:t>發生</a:t>
-            </a:r>
-            <a:r>
-              <a:rPr lang="zh-TW" altLang="en-US" dirty="0" smtClean="0"/>
-              <a:t>日期</a:t>
-            </a:r>
-            <a:endParaRPr lang="en-US" altLang="zh-TW" dirty="0" smtClean="0"/>
+              <a:t>發生日期</a:t>
+            </a:r>
+            <a:endParaRPr lang="en-US" altLang="zh-TW" dirty="0"/>
           </a:p>
           <a:p>
             <a:pPr marL="742950" lvl="1" indent="-285750">
@@ -3090,11 +3057,7 @@
             </a:pPr>
             <a:r>
               <a:rPr lang="zh-TW" altLang="en-US" dirty="0"/>
-              <a:t>發生</a:t>
-            </a:r>
-            <a:r>
-              <a:rPr lang="zh-TW" altLang="en-US" dirty="0" smtClean="0"/>
-              <a:t>時間</a:t>
+              <a:t>發生時間</a:t>
             </a:r>
             <a:endParaRPr lang="en-US" altLang="zh-TW" dirty="0"/>
           </a:p>
@@ -3104,10 +3067,10 @@
               <a:buChar char="•"/>
             </a:pPr>
             <a:r>
-              <a:rPr lang="zh-TW" altLang="en-US" dirty="0" smtClean="0"/>
+              <a:rPr lang="zh-TW" altLang="en-US" dirty="0"/>
               <a:t>事故類別名稱</a:t>
             </a:r>
-            <a:endParaRPr lang="en-US" altLang="zh-TW" dirty="0" smtClean="0"/>
+            <a:endParaRPr lang="en-US" altLang="zh-TW" dirty="0"/>
           </a:p>
           <a:p>
             <a:pPr marL="285750" indent="-285750">
@@ -3116,13 +3079,9 @@
             </a:pPr>
             <a:r>
               <a:rPr lang="zh-TW" altLang="en-US" dirty="0"/>
-              <a:t>處理</a:t>
-            </a:r>
-            <a:r>
-              <a:rPr lang="zh-TW" altLang="en-US" dirty="0" smtClean="0"/>
-              <a:t>單位名稱警局層</a:t>
-            </a:r>
-            <a:endParaRPr lang="en-US" altLang="zh-TW" dirty="0" smtClean="0"/>
+              <a:t>處理單位名稱警局層</a:t>
+            </a:r>
+            <a:endParaRPr lang="en-US" altLang="zh-TW" dirty="0"/>
           </a:p>
           <a:p>
             <a:pPr marL="285750" indent="-285750">
@@ -3131,13 +3090,9 @@
             </a:pPr>
             <a:r>
               <a:rPr lang="zh-TW" altLang="en-US" dirty="0"/>
-              <a:t>發生</a:t>
-            </a:r>
-            <a:r>
-              <a:rPr lang="zh-TW" altLang="en-US" dirty="0" smtClean="0"/>
-              <a:t>地點</a:t>
-            </a:r>
-            <a:endParaRPr lang="en-US" altLang="zh-TW" dirty="0" smtClean="0"/>
+              <a:t>發生地點</a:t>
+            </a:r>
+            <a:endParaRPr lang="en-US" altLang="zh-TW" dirty="0"/>
           </a:p>
           <a:p>
             <a:pPr marL="285750" indent="-285750">
@@ -3145,10 +3100,10 @@
               <a:buChar char="•"/>
             </a:pPr>
             <a:r>
-              <a:rPr lang="zh-TW" altLang="en-US" b="1" dirty="0" smtClean="0"/>
+              <a:rPr lang="zh-TW" altLang="en-US" b="1" dirty="0"/>
               <a:t>環境</a:t>
             </a:r>
-            <a:endParaRPr lang="en-US" altLang="zh-TW" b="1" dirty="0" smtClean="0"/>
+            <a:endParaRPr lang="en-US" altLang="zh-TW" b="1" dirty="0"/>
           </a:p>
           <a:p>
             <a:pPr marL="742950" lvl="1" indent="-285750">
@@ -3157,13 +3112,9 @@
             </a:pPr>
             <a:r>
               <a:rPr lang="zh-TW" altLang="en-US" dirty="0"/>
-              <a:t>天候</a:t>
-            </a:r>
-            <a:r>
-              <a:rPr lang="zh-TW" altLang="en-US" dirty="0" smtClean="0"/>
-              <a:t>名稱</a:t>
-            </a:r>
-            <a:endParaRPr lang="en-US" altLang="zh-TW" dirty="0" smtClean="0"/>
+              <a:t>天候名稱</a:t>
+            </a:r>
+            <a:endParaRPr lang="en-US" altLang="zh-TW" dirty="0"/>
           </a:p>
           <a:p>
             <a:pPr marL="742950" lvl="1" indent="-285750">
@@ -3172,11 +3123,7 @@
             </a:pPr>
             <a:r>
               <a:rPr lang="zh-TW" altLang="en-US" dirty="0"/>
-              <a:t>光線</a:t>
-            </a:r>
-            <a:r>
-              <a:rPr lang="zh-TW" altLang="en-US" dirty="0" smtClean="0"/>
-              <a:t>名稱</a:t>
+              <a:t>光線名稱</a:t>
             </a:r>
             <a:endParaRPr lang="en-US" altLang="zh-TW" dirty="0"/>
           </a:p>
@@ -3186,10 +3133,10 @@
               <a:buChar char="•"/>
             </a:pPr>
             <a:r>
-              <a:rPr lang="zh-TW" altLang="en-US" b="1" dirty="0" smtClean="0"/>
+              <a:rPr lang="zh-TW" altLang="en-US" b="1" dirty="0"/>
               <a:t>其他</a:t>
             </a:r>
-            <a:endParaRPr lang="en-US" altLang="zh-TW" b="1" dirty="0" smtClean="0"/>
+            <a:endParaRPr lang="en-US" altLang="zh-TW" b="1" dirty="0"/>
           </a:p>
           <a:p>
             <a:pPr marL="742950" lvl="1" indent="-285750">
@@ -3197,10 +3144,10 @@
               <a:buChar char="•"/>
             </a:pPr>
             <a:r>
-              <a:rPr lang="zh-TW" altLang="en-US" dirty="0" smtClean="0"/>
+              <a:rPr lang="zh-TW" altLang="en-US" dirty="0"/>
               <a:t>經度</a:t>
             </a:r>
-            <a:endParaRPr lang="en-US" altLang="zh-TW" dirty="0" smtClean="0"/>
+            <a:endParaRPr lang="en-US" altLang="zh-TW" dirty="0"/>
           </a:p>
           <a:p>
             <a:pPr marL="742950" lvl="1" indent="-285750">
@@ -3211,7 +3158,7 @@
               <a:rPr lang="zh-TW" altLang="en-US" dirty="0"/>
               <a:t>緯度</a:t>
             </a:r>
-            <a:endParaRPr lang="en-US" altLang="zh-TW" dirty="0" smtClean="0"/>
+            <a:endParaRPr lang="en-US" altLang="zh-TW" dirty="0"/>
           </a:p>
         </p:txBody>
       </p:sp>
@@ -3438,13 +3385,9 @@
             </a:pPr>
             <a:r>
               <a:rPr lang="zh-TW" altLang="en-US" b="1" dirty="0"/>
-              <a:t>車道劃分</a:t>
-            </a:r>
-            <a:r>
-              <a:rPr lang="zh-TW" altLang="en-US" b="1" dirty="0" smtClean="0"/>
-              <a:t>設施</a:t>
-            </a:r>
-            <a:endParaRPr lang="en-US" altLang="zh-TW" b="1" dirty="0" smtClean="0"/>
+              <a:t>車道劃分設施</a:t>
+            </a:r>
+            <a:endParaRPr lang="en-US" altLang="zh-TW" b="1" dirty="0"/>
           </a:p>
           <a:p>
             <a:pPr marL="1200150" lvl="2" indent="-285750">
@@ -3461,11 +3404,7 @@
             </a:r>
             <a:r>
               <a:rPr lang="zh-TW" altLang="en-US" dirty="0"/>
-              <a:t>分向</a:t>
-            </a:r>
-            <a:r>
-              <a:rPr lang="zh-TW" altLang="en-US" dirty="0" smtClean="0"/>
-              <a:t>設施大類別名稱</a:t>
+              <a:t>分向設施大類別名稱</a:t>
             </a:r>
             <a:endParaRPr lang="en-US" altLang="zh-TW" dirty="0"/>
           </a:p>
@@ -3476,21 +3415,17 @@
             </a:pPr>
             <a:r>
               <a:rPr lang="zh-TW" altLang="en-US" dirty="0"/>
-              <a:t>車道劃分</a:t>
-            </a:r>
-            <a:r>
-              <a:rPr lang="zh-TW" altLang="en-US" dirty="0" smtClean="0"/>
-              <a:t>設施</a:t>
-            </a:r>
-            <a:r>
-              <a:rPr lang="en-US" altLang="zh-TW" dirty="0" smtClean="0"/>
+              <a:t>車道劃分設施</a:t>
+            </a:r>
+            <a:r>
+              <a:rPr lang="en-US" altLang="zh-TW" dirty="0"/>
               <a:t>-</a:t>
             </a:r>
             <a:r>
-              <a:rPr lang="zh-TW" altLang="en-US" dirty="0" smtClean="0"/>
+              <a:rPr lang="zh-TW" altLang="en-US" dirty="0"/>
               <a:t>分向設施子類別名稱</a:t>
             </a:r>
-            <a:endParaRPr lang="en-US" altLang="zh-TW" dirty="0" smtClean="0"/>
+            <a:endParaRPr lang="en-US" altLang="zh-TW" dirty="0"/>
           </a:p>
           <a:p>
             <a:pPr marL="1200150" lvl="2" indent="-285750">
@@ -3502,22 +3437,22 @@
               <a:t>車道劃分設施</a:t>
             </a:r>
             <a:r>
-              <a:rPr lang="en-US" altLang="zh-TW" dirty="0" smtClean="0"/>
+              <a:rPr lang="en-US" altLang="zh-TW" dirty="0"/>
               <a:t>-</a:t>
             </a:r>
             <a:r>
-              <a:rPr lang="zh-TW" altLang="en-US" dirty="0" smtClean="0"/>
+              <a:rPr lang="zh-TW" altLang="en-US" dirty="0"/>
               <a:t>分道設施</a:t>
             </a:r>
             <a:r>
-              <a:rPr lang="en-US" altLang="zh-TW" dirty="0" smtClean="0"/>
+              <a:rPr lang="en-US" altLang="zh-TW" dirty="0"/>
               <a:t>-</a:t>
             </a:r>
             <a:r>
-              <a:rPr lang="zh-TW" altLang="en-US" dirty="0" smtClean="0"/>
+              <a:rPr lang="zh-TW" altLang="en-US" dirty="0"/>
               <a:t>快車道或一般車道間名稱</a:t>
             </a:r>
-            <a:endParaRPr lang="en-US" altLang="zh-TW" dirty="0" smtClean="0"/>
+            <a:endParaRPr lang="en-US" altLang="zh-TW" dirty="0"/>
           </a:p>
           <a:p>
             <a:pPr marL="1200150" lvl="2" indent="-285750">
@@ -3526,29 +3461,25 @@
             </a:pPr>
             <a:r>
               <a:rPr lang="zh-TW" altLang="en-US" dirty="0"/>
-              <a:t>車道劃分</a:t>
-            </a:r>
-            <a:r>
-              <a:rPr lang="zh-TW" altLang="en-US" dirty="0" smtClean="0"/>
-              <a:t>設施</a:t>
-            </a:r>
-            <a:r>
-              <a:rPr lang="en-US" altLang="zh-TW" dirty="0" smtClean="0"/>
+              <a:t>車道劃分設施</a:t>
+            </a:r>
+            <a:r>
+              <a:rPr lang="en-US" altLang="zh-TW" dirty="0"/>
               <a:t>-</a:t>
             </a:r>
             <a:r>
-              <a:rPr lang="zh-TW" altLang="en-US" dirty="0" smtClean="0"/>
+              <a:rPr lang="zh-TW" altLang="en-US" dirty="0"/>
               <a:t>分道設施</a:t>
             </a:r>
             <a:r>
-              <a:rPr lang="en-US" altLang="zh-TW" dirty="0" smtClean="0"/>
+              <a:rPr lang="en-US" altLang="zh-TW" dirty="0"/>
               <a:t>-</a:t>
             </a:r>
             <a:r>
-              <a:rPr lang="zh-TW" altLang="en-US" dirty="0" smtClean="0"/>
+              <a:rPr lang="zh-TW" altLang="en-US" dirty="0"/>
               <a:t>快慢車道間名稱</a:t>
             </a:r>
-            <a:endParaRPr lang="en-US" altLang="zh-TW" dirty="0" smtClean="0"/>
+            <a:endParaRPr lang="en-US" altLang="zh-TW" dirty="0"/>
           </a:p>
           <a:p>
             <a:pPr marL="1200150" lvl="2" indent="-285750">
@@ -3556,23 +3487,23 @@
               <a:buChar char="•"/>
             </a:pPr>
             <a:r>
-              <a:rPr lang="zh-TW" altLang="en-US" dirty="0" smtClean="0"/>
+              <a:rPr lang="zh-TW" altLang="en-US" dirty="0"/>
               <a:t>車道劃分設施</a:t>
             </a:r>
             <a:r>
-              <a:rPr lang="en-US" altLang="zh-TW" dirty="0" smtClean="0"/>
+              <a:rPr lang="en-US" altLang="zh-TW" dirty="0"/>
               <a:t>-</a:t>
             </a:r>
             <a:r>
-              <a:rPr lang="zh-TW" altLang="en-US" dirty="0" smtClean="0"/>
+              <a:rPr lang="zh-TW" altLang="en-US" dirty="0"/>
               <a:t>分道設施</a:t>
             </a:r>
             <a:r>
-              <a:rPr lang="en-US" altLang="zh-TW" dirty="0" smtClean="0"/>
+              <a:rPr lang="en-US" altLang="zh-TW" dirty="0"/>
               <a:t>-</a:t>
             </a:r>
             <a:r>
-              <a:rPr lang="zh-TW" altLang="en-US" dirty="0" smtClean="0"/>
+              <a:rPr lang="zh-TW" altLang="en-US" dirty="0"/>
               <a:t>路面邊線名稱</a:t>
             </a:r>
             <a:endParaRPr lang="en-US" altLang="zh-TW" dirty="0"/>
@@ -3657,7 +3588,7 @@
           <a:lstStyle/>
           <a:p>
             <a:r>
-              <a:rPr lang="en-US" altLang="zh-TW" sz="2400" b="1" dirty="0" smtClean="0">
+              <a:rPr lang="en-US" altLang="zh-TW" sz="2400" b="1" dirty="0">
                 <a:solidFill>
                   <a:srgbClr val="FF0000"/>
                 </a:solidFill>
@@ -3665,7 +3596,7 @@
               <a:t>!</a:t>
             </a:r>
             <a:r>
-              <a:rPr lang="zh-TW" altLang="en-US" b="1" dirty="0" smtClean="0">
+              <a:rPr lang="zh-TW" altLang="en-US" b="1" dirty="0">
                 <a:solidFill>
                   <a:srgbClr val="FF0000"/>
                 </a:solidFill>
@@ -3673,18 +3604,13 @@
               <a:t>  </a:t>
             </a:r>
             <a:r>
-              <a:rPr lang="zh-TW" altLang="en-US" dirty="0" smtClean="0">
+              <a:rPr lang="zh-TW" altLang="en-US" dirty="0">
                 <a:solidFill>
                   <a:srgbClr val="FF0000"/>
                 </a:solidFill>
               </a:rPr>
               <a:t>粗體字是我自訂的分類，實際資料沒有</a:t>
             </a:r>
-            <a:endParaRPr lang="zh-TW" altLang="en-US" dirty="0">
-              <a:solidFill>
-                <a:srgbClr val="FF0000"/>
-              </a:solidFill>
-            </a:endParaRPr>
           </a:p>
         </p:txBody>
       </p:sp>
@@ -3811,13 +3737,9 @@
             </a:pPr>
             <a:r>
               <a:rPr lang="zh-TW" altLang="en-US" dirty="0"/>
-              <a:t>事故類型及型態子類別</a:t>
-            </a:r>
-            <a:r>
-              <a:rPr lang="zh-TW" altLang="en-US" dirty="0" smtClean="0"/>
-              <a:t>名稱</a:t>
-            </a:r>
-            <a:endParaRPr lang="en-US" altLang="zh-TW" dirty="0" smtClean="0"/>
+              <a:t>事故類型及型態子類別名稱</a:t>
+            </a:r>
+            <a:endParaRPr lang="en-US" altLang="zh-TW" dirty="0"/>
           </a:p>
           <a:p>
             <a:pPr marL="285750" indent="-285750">
@@ -3826,13 +3748,9 @@
             </a:pPr>
             <a:r>
               <a:rPr lang="zh-TW" altLang="en-US" b="1" dirty="0"/>
-              <a:t>事故</a:t>
-            </a:r>
-            <a:r>
-              <a:rPr lang="zh-TW" altLang="en-US" b="1" dirty="0" smtClean="0"/>
-              <a:t>當事者相關類別</a:t>
-            </a:r>
-            <a:endParaRPr lang="en-US" altLang="zh-TW" b="1" dirty="0" smtClean="0"/>
+              <a:t>事故當事者相關類別</a:t>
+            </a:r>
+            <a:endParaRPr lang="en-US" altLang="zh-TW" b="1" dirty="0"/>
           </a:p>
           <a:p>
             <a:pPr marL="742950" lvl="1" indent="-285750">
@@ -3840,10 +3758,10 @@
               <a:buChar char="•"/>
             </a:pPr>
             <a:r>
-              <a:rPr lang="zh-TW" altLang="en-US" dirty="0" smtClean="0"/>
+              <a:rPr lang="zh-TW" altLang="en-US" dirty="0"/>
               <a:t>死亡受傷人數</a:t>
             </a:r>
-            <a:endParaRPr lang="en-US" altLang="zh-TW" dirty="0" smtClean="0"/>
+            <a:endParaRPr lang="en-US" altLang="zh-TW" dirty="0"/>
           </a:p>
           <a:p>
             <a:pPr marL="742950" lvl="1" indent="-285750">
@@ -3852,13 +3770,9 @@
             </a:pPr>
             <a:r>
               <a:rPr lang="zh-TW" altLang="en-US" dirty="0"/>
-              <a:t>當事者</a:t>
-            </a:r>
-            <a:r>
-              <a:rPr lang="zh-TW" altLang="en-US" dirty="0" smtClean="0"/>
-              <a:t>順位</a:t>
-            </a:r>
-            <a:endParaRPr lang="en-US" altLang="zh-TW" dirty="0" smtClean="0"/>
+              <a:t>當事者順位</a:t>
+            </a:r>
+            <a:endParaRPr lang="en-US" altLang="zh-TW" dirty="0"/>
           </a:p>
           <a:p>
             <a:pPr marL="742950" lvl="1" indent="-285750">
@@ -3891,13 +3805,9 @@
             </a:r>
             <a:r>
               <a:rPr lang="zh-TW" altLang="en-US" dirty="0"/>
-              <a:t>車</a:t>
-            </a:r>
-            <a:r>
-              <a:rPr lang="zh-TW" altLang="en-US" dirty="0" smtClean="0"/>
-              <a:t>種</a:t>
-            </a:r>
-            <a:endParaRPr lang="en-US" altLang="zh-TW" dirty="0" smtClean="0"/>
+              <a:t>車種</a:t>
+            </a:r>
+            <a:endParaRPr lang="en-US" altLang="zh-TW" dirty="0"/>
           </a:p>
           <a:p>
             <a:pPr marL="742950" lvl="1" indent="-285750">
@@ -3906,29 +3816,25 @@
             </a:pPr>
             <a:r>
               <a:rPr lang="zh-TW" altLang="en-US" dirty="0"/>
-              <a:t>當事者</a:t>
-            </a:r>
-            <a:r>
-              <a:rPr lang="zh-TW" altLang="en-US" dirty="0" smtClean="0"/>
-              <a:t>區分</a:t>
-            </a:r>
-            <a:r>
-              <a:rPr lang="en-US" altLang="zh-TW" dirty="0" smtClean="0"/>
+              <a:t>當事者區分</a:t>
+            </a:r>
+            <a:r>
+              <a:rPr lang="en-US" altLang="zh-TW" dirty="0"/>
               <a:t>-</a:t>
             </a:r>
             <a:r>
-              <a:rPr lang="zh-TW" altLang="en-US" dirty="0" smtClean="0"/>
+              <a:rPr lang="zh-TW" altLang="en-US" dirty="0"/>
               <a:t>類別</a:t>
             </a:r>
             <a:r>
-              <a:rPr lang="en-US" altLang="zh-TW" dirty="0" smtClean="0"/>
+              <a:rPr lang="en-US" altLang="zh-TW" dirty="0"/>
               <a:t>-</a:t>
             </a:r>
             <a:r>
-              <a:rPr lang="zh-TW" altLang="en-US" dirty="0" smtClean="0"/>
+              <a:rPr lang="zh-TW" altLang="en-US" dirty="0"/>
               <a:t>子類別名稱</a:t>
             </a:r>
-            <a:endParaRPr lang="en-US" altLang="zh-TW" dirty="0" smtClean="0"/>
+            <a:endParaRPr lang="en-US" altLang="zh-TW" dirty="0"/>
           </a:p>
           <a:p>
             <a:pPr marL="742950" lvl="1" indent="-285750">
@@ -3937,29 +3843,25 @@
             </a:pPr>
             <a:r>
               <a:rPr lang="zh-TW" altLang="en-US" dirty="0"/>
-              <a:t>當事者</a:t>
-            </a:r>
-            <a:r>
-              <a:rPr lang="zh-TW" altLang="en-US" dirty="0" smtClean="0"/>
-              <a:t>屬</a:t>
-            </a:r>
-            <a:r>
-              <a:rPr lang="en-US" altLang="zh-TW" dirty="0" smtClean="0"/>
+              <a:t>當事者屬</a:t>
+            </a:r>
+            <a:r>
+              <a:rPr lang="en-US" altLang="zh-TW" dirty="0"/>
               <a:t>-</a:t>
             </a:r>
             <a:r>
-              <a:rPr lang="zh-TW" altLang="en-US" dirty="0" smtClean="0"/>
+              <a:rPr lang="zh-TW" altLang="en-US" dirty="0"/>
               <a:t>性</a:t>
             </a:r>
             <a:r>
-              <a:rPr lang="en-US" altLang="zh-TW" dirty="0" smtClean="0"/>
+              <a:rPr lang="en-US" altLang="zh-TW" dirty="0"/>
               <a:t>-</a:t>
             </a:r>
             <a:r>
-              <a:rPr lang="zh-TW" altLang="en-US" dirty="0" smtClean="0"/>
+              <a:rPr lang="zh-TW" altLang="en-US" dirty="0"/>
               <a:t>別名稱</a:t>
             </a:r>
-            <a:endParaRPr lang="en-US" altLang="zh-TW" dirty="0" smtClean="0"/>
+            <a:endParaRPr lang="en-US" altLang="zh-TW" dirty="0"/>
           </a:p>
           <a:p>
             <a:pPr marL="742950" lvl="1" indent="-285750">
@@ -3968,13 +3870,9 @@
             </a:pPr>
             <a:r>
               <a:rPr lang="zh-TW" altLang="en-US" dirty="0"/>
-              <a:t>當事者事故發生時</a:t>
-            </a:r>
-            <a:r>
-              <a:rPr lang="zh-TW" altLang="en-US" dirty="0" smtClean="0"/>
-              <a:t>年齡</a:t>
-            </a:r>
-            <a:endParaRPr lang="en-US" altLang="zh-TW" dirty="0" smtClean="0"/>
+              <a:t>當事者事故發生時年齡</a:t>
+            </a:r>
+            <a:endParaRPr lang="en-US" altLang="zh-TW" dirty="0"/>
           </a:p>
           <a:p>
             <a:pPr marL="742950" lvl="1" indent="-285750">
@@ -3983,13 +3881,9 @@
             </a:pPr>
             <a:r>
               <a:rPr lang="zh-TW" altLang="en-US" dirty="0"/>
-              <a:t>保護</a:t>
-            </a:r>
-            <a:r>
-              <a:rPr lang="zh-TW" altLang="en-US" dirty="0" smtClean="0"/>
-              <a:t>裝置名稱行動電話或電腦或其他相類功能裝置名稱</a:t>
-            </a:r>
-            <a:endParaRPr lang="en-US" altLang="zh-TW" dirty="0" smtClean="0"/>
+              <a:t>保護裝置名稱行動電話或電腦或其他相類功能裝置名稱</a:t>
+            </a:r>
+            <a:endParaRPr lang="en-US" altLang="zh-TW" dirty="0"/>
           </a:p>
           <a:p>
             <a:pPr marL="742950" lvl="1" indent="-285750">
@@ -3997,10 +3891,10 @@
               <a:buChar char="•"/>
             </a:pPr>
             <a:r>
-              <a:rPr lang="zh-TW" altLang="en-US" dirty="0" smtClean="0"/>
+              <a:rPr lang="zh-TW" altLang="en-US" dirty="0"/>
               <a:t>當事者行動狀態大類別名稱</a:t>
             </a:r>
-            <a:endParaRPr lang="en-US" altLang="zh-TW" dirty="0" smtClean="0"/>
+            <a:endParaRPr lang="en-US" altLang="zh-TW" dirty="0"/>
           </a:p>
           <a:p>
             <a:pPr marL="742950" lvl="1" indent="-285750">
@@ -4008,10 +3902,10 @@
               <a:buChar char="•"/>
             </a:pPr>
             <a:r>
-              <a:rPr lang="zh-TW" altLang="en-US" dirty="0" smtClean="0"/>
+              <a:rPr lang="zh-TW" altLang="en-US" dirty="0"/>
               <a:t>當事者行動狀態子類別名稱</a:t>
             </a:r>
-            <a:endParaRPr lang="en-US" altLang="zh-TW" dirty="0" smtClean="0"/>
+            <a:endParaRPr lang="en-US" altLang="zh-TW" dirty="0"/>
           </a:p>
           <a:p>
             <a:pPr marL="742950" lvl="1" indent="-285750">
@@ -4020,13 +3914,9 @@
             </a:pPr>
             <a:r>
               <a:rPr lang="zh-TW" altLang="en-US" b="1" dirty="0"/>
-              <a:t>車輛</a:t>
-            </a:r>
-            <a:r>
-              <a:rPr lang="zh-TW" altLang="en-US" b="1" dirty="0" smtClean="0"/>
-              <a:t>撞擊</a:t>
-            </a:r>
-            <a:endParaRPr lang="en-US" altLang="zh-TW" b="1" dirty="0" smtClean="0"/>
+              <a:t>車輛撞擊</a:t>
+            </a:r>
+            <a:endParaRPr lang="en-US" altLang="zh-TW" b="1" dirty="0"/>
           </a:p>
           <a:p>
             <a:pPr marL="1200150" lvl="2" indent="-285750">
@@ -4035,21 +3925,17 @@
             </a:pPr>
             <a:r>
               <a:rPr lang="zh-TW" altLang="en-US" dirty="0"/>
-              <a:t>車輛撞擊</a:t>
-            </a:r>
-            <a:r>
-              <a:rPr lang="zh-TW" altLang="en-US" dirty="0" smtClean="0"/>
-              <a:t>部位大類別名稱</a:t>
-            </a:r>
-            <a:r>
-              <a:rPr lang="en-US" altLang="zh-TW" dirty="0" smtClean="0"/>
+              <a:t>車輛撞擊部位大類別名稱</a:t>
+            </a:r>
+            <a:r>
+              <a:rPr lang="en-US" altLang="zh-TW" dirty="0"/>
               <a:t>-</a:t>
             </a:r>
             <a:r>
-              <a:rPr lang="zh-TW" altLang="en-US" dirty="0" smtClean="0"/>
+              <a:rPr lang="zh-TW" altLang="en-US" dirty="0"/>
               <a:t>最初</a:t>
             </a:r>
-            <a:endParaRPr lang="en-US" altLang="zh-TW" dirty="0" smtClean="0"/>
+            <a:endParaRPr lang="en-US" altLang="zh-TW" dirty="0"/>
           </a:p>
           <a:p>
             <a:pPr marL="1200150" lvl="2" indent="-285750">
@@ -4058,21 +3944,17 @@
             </a:pPr>
             <a:r>
               <a:rPr lang="zh-TW" altLang="en-US" dirty="0"/>
-              <a:t>車輛撞擊</a:t>
-            </a:r>
-            <a:r>
-              <a:rPr lang="zh-TW" altLang="en-US" dirty="0" smtClean="0"/>
-              <a:t>部位子類別名稱</a:t>
-            </a:r>
-            <a:r>
-              <a:rPr lang="en-US" altLang="zh-TW" dirty="0" smtClean="0"/>
+              <a:t>車輛撞擊部位子類別名稱</a:t>
+            </a:r>
+            <a:r>
+              <a:rPr lang="en-US" altLang="zh-TW" dirty="0"/>
               <a:t>-</a:t>
             </a:r>
             <a:r>
-              <a:rPr lang="zh-TW" altLang="en-US" dirty="0" smtClean="0"/>
+              <a:rPr lang="zh-TW" altLang="en-US" dirty="0"/>
               <a:t>最初</a:t>
             </a:r>
-            <a:endParaRPr lang="en-US" altLang="zh-TW" dirty="0" smtClean="0"/>
+            <a:endParaRPr lang="en-US" altLang="zh-TW" dirty="0"/>
           </a:p>
           <a:p>
             <a:pPr marL="1200150" lvl="2" indent="-285750">
@@ -4081,21 +3963,17 @@
             </a:pPr>
             <a:r>
               <a:rPr lang="zh-TW" altLang="en-US" dirty="0"/>
-              <a:t>車輛</a:t>
-            </a:r>
-            <a:r>
-              <a:rPr lang="zh-TW" altLang="en-US" dirty="0" smtClean="0"/>
-              <a:t>撞擊部位大類別名稱</a:t>
-            </a:r>
-            <a:r>
-              <a:rPr lang="en-US" altLang="zh-TW" dirty="0" smtClean="0"/>
+              <a:t>車輛撞擊部位大類別名稱</a:t>
+            </a:r>
+            <a:r>
+              <a:rPr lang="en-US" altLang="zh-TW" dirty="0"/>
               <a:t>-</a:t>
             </a:r>
             <a:r>
-              <a:rPr lang="zh-TW" altLang="en-US" dirty="0" smtClean="0"/>
+              <a:rPr lang="zh-TW" altLang="en-US" dirty="0"/>
               <a:t>其他</a:t>
             </a:r>
-            <a:endParaRPr lang="en-US" altLang="zh-TW" dirty="0" smtClean="0"/>
+            <a:endParaRPr lang="en-US" altLang="zh-TW" dirty="0"/>
           </a:p>
           <a:p>
             <a:pPr marL="1200150" lvl="2" indent="-285750">
@@ -4144,10 +4022,10 @@
               <a:buChar char="•"/>
             </a:pPr>
             <a:r>
-              <a:rPr lang="zh-TW" altLang="en-US" b="1" dirty="0" smtClean="0"/>
+              <a:rPr lang="zh-TW" altLang="en-US" b="1" dirty="0"/>
               <a:t>肇事研判</a:t>
             </a:r>
-            <a:endParaRPr lang="en-US" altLang="zh-TW" b="1" dirty="0" smtClean="0"/>
+            <a:endParaRPr lang="en-US" altLang="zh-TW" b="1" dirty="0"/>
           </a:p>
           <a:p>
             <a:pPr marL="742950" lvl="1" indent="-285750">
@@ -4197,7 +4075,7 @@
               <a:t>肇因研判大類別名稱</a:t>
             </a:r>
             <a:r>
-              <a:rPr lang="en-US" altLang="zh-TW" dirty="0" smtClean="0"/>
+              <a:rPr lang="en-US" altLang="zh-TW" dirty="0"/>
               <a:t>-</a:t>
             </a:r>
             <a:r>
@@ -4216,14 +4094,14 @@
               <a:t>肇因研判子類別名稱</a:t>
             </a:r>
             <a:r>
-              <a:rPr lang="en-US" altLang="zh-TW" dirty="0" smtClean="0"/>
+              <a:rPr lang="en-US" altLang="zh-TW" dirty="0"/>
               <a:t>-</a:t>
             </a:r>
             <a:r>
-              <a:rPr lang="zh-TW" altLang="en-US" dirty="0" smtClean="0"/>
+              <a:rPr lang="zh-TW" altLang="en-US" dirty="0"/>
               <a:t>個別</a:t>
             </a:r>
-            <a:endParaRPr lang="en-US" altLang="zh-TW" dirty="0" smtClean="0"/>
+            <a:endParaRPr lang="en-US" altLang="zh-TW" dirty="0"/>
           </a:p>
           <a:p>
             <a:pPr marL="742950" lvl="1" indent="-285750">
@@ -4231,15 +4109,15 @@
               <a:buChar char="•"/>
             </a:pPr>
             <a:r>
-              <a:rPr lang="zh-TW" altLang="en-US" dirty="0" smtClean="0"/>
+              <a:rPr lang="zh-TW" altLang="en-US" dirty="0"/>
               <a:t>肇事逃逸類別名稱</a:t>
             </a:r>
             <a:r>
-              <a:rPr lang="en-US" altLang="zh-TW" dirty="0" smtClean="0"/>
+              <a:rPr lang="en-US" altLang="zh-TW" dirty="0"/>
               <a:t>-</a:t>
             </a:r>
             <a:r>
-              <a:rPr lang="zh-TW" altLang="en-US" dirty="0" smtClean="0"/>
+              <a:rPr lang="zh-TW" altLang="en-US" dirty="0"/>
               <a:t>是否肇逃</a:t>
             </a:r>
             <a:endParaRPr lang="en-US" altLang="zh-TW" dirty="0"/>
@@ -4249,7 +4127,7 @@
               <a:buFont typeface="Arial" panose="020B0604020202020204" pitchFamily="34" charset="0"/>
               <a:buChar char="•"/>
             </a:pPr>
-            <a:endParaRPr lang="en-US" altLang="zh-TW" b="1" dirty="0" smtClean="0"/>
+            <a:endParaRPr lang="en-US" altLang="zh-TW" b="1" dirty="0"/>
           </a:p>
         </p:txBody>
       </p:sp>
@@ -4281,10 +4159,9 @@
           <a:lstStyle/>
           <a:p>
             <a:r>
-              <a:rPr lang="zh-TW" altLang="en-US" sz="2000" dirty="0" smtClean="0"/>
+              <a:rPr lang="zh-TW" altLang="en-US" sz="2000" dirty="0"/>
               <a:t>欄位名稱</a:t>
             </a:r>
-            <a:endParaRPr lang="zh-TW" altLang="en-US" sz="2000" dirty="0"/>
           </a:p>
         </p:txBody>
       </p:sp>
@@ -4302,6 +4179,280 @@
 </file>
 
 <file path=ppt/slides/slide3.xml><?xml version="1.0" encoding="utf-8"?>
+<p:sld xmlns:a="http://schemas.openxmlformats.org/drawingml/2006/main" xmlns:r="http://schemas.openxmlformats.org/officeDocument/2006/relationships" xmlns:p="http://schemas.openxmlformats.org/presentationml/2006/main" show="0">
+  <p:cSld>
+    <p:spTree>
+      <p:nvGrpSpPr>
+        <p:cNvPr id="1" name=""/>
+        <p:cNvGrpSpPr/>
+        <p:nvPr/>
+      </p:nvGrpSpPr>
+      <p:grpSpPr>
+        <a:xfrm>
+          <a:off x="0" y="0"/>
+          <a:ext cx="0" cy="0"/>
+          <a:chOff x="0" y="0"/>
+          <a:chExt cx="0" cy="0"/>
+        </a:xfrm>
+      </p:grpSpPr>
+      <p:sp>
+        <p:nvSpPr>
+          <p:cNvPr id="9" name="文字方塊 8"/>
+          <p:cNvSpPr txBox="1"/>
+          <p:nvPr/>
+        </p:nvSpPr>
+        <p:spPr>
+          <a:xfrm>
+            <a:off x="0" y="36822"/>
+            <a:ext cx="1338828" cy="369332"/>
+          </a:xfrm>
+          <a:prstGeom prst="rect">
+            <a:avLst/>
+          </a:prstGeom>
+          <a:noFill/>
+          <a:ln>
+            <a:solidFill>
+              <a:schemeClr val="tx2"/>
+            </a:solidFill>
+          </a:ln>
+        </p:spPr>
+        <p:txBody>
+          <a:bodyPr wrap="none" rtlCol="0">
+            <a:spAutoFit/>
+          </a:bodyPr>
+          <a:lstStyle/>
+          <a:p>
+            <a:r>
+              <a:rPr lang="zh-TW" altLang="en-US" dirty="0"/>
+              <a:t>決策樹分析</a:t>
+            </a:r>
+          </a:p>
+        </p:txBody>
+      </p:sp>
+      <p:sp>
+        <p:nvSpPr>
+          <p:cNvPr id="10" name="文字方塊 9"/>
+          <p:cNvSpPr txBox="1"/>
+          <p:nvPr/>
+        </p:nvSpPr>
+        <p:spPr>
+          <a:xfrm>
+            <a:off x="207818" y="969819"/>
+            <a:ext cx="3126177" cy="1200329"/>
+          </a:xfrm>
+          <a:prstGeom prst="rect">
+            <a:avLst/>
+          </a:prstGeom>
+          <a:noFill/>
+        </p:spPr>
+        <p:txBody>
+          <a:bodyPr wrap="none" rtlCol="0">
+            <a:spAutoFit/>
+          </a:bodyPr>
+          <a:lstStyle/>
+          <a:p>
+            <a:r>
+              <a:rPr lang="en-US" altLang="zh-TW" dirty="0"/>
+              <a:t>1</a:t>
+            </a:r>
+          </a:p>
+          <a:p>
+            <a:r>
+              <a:rPr lang="zh-TW" altLang="en-US" dirty="0"/>
+              <a:t>使用欄位：</a:t>
+            </a:r>
+            <a:r>
+              <a:rPr lang="en-US" altLang="zh-TW" dirty="0"/>
+              <a:t>(</a:t>
+            </a:r>
+            <a:r>
+              <a:rPr lang="zh-TW" altLang="en-US" dirty="0"/>
+              <a:t>待定</a:t>
+            </a:r>
+            <a:r>
+              <a:rPr lang="en-US" altLang="zh-TW" dirty="0"/>
+              <a:t>)</a:t>
+            </a:r>
+          </a:p>
+          <a:p>
+            <a:r>
+              <a:rPr lang="en-US" altLang="zh-TW" dirty="0"/>
+              <a:t>label</a:t>
+            </a:r>
+            <a:r>
+              <a:rPr lang="zh-TW" altLang="en-US" dirty="0"/>
+              <a:t>：事故類別名稱</a:t>
+            </a:r>
+            <a:r>
+              <a:rPr lang="en-US" altLang="zh-TW" dirty="0"/>
+              <a:t>(A1</a:t>
+            </a:r>
+            <a:r>
+              <a:rPr lang="zh-TW" altLang="en-US" dirty="0"/>
+              <a:t>，</a:t>
+            </a:r>
+            <a:r>
+              <a:rPr lang="en-US" altLang="zh-TW" dirty="0"/>
+              <a:t>A2)</a:t>
+            </a:r>
+          </a:p>
+          <a:p>
+            <a:r>
+              <a:rPr lang="zh-TW" altLang="en-US" dirty="0"/>
+              <a:t>目的：</a:t>
+            </a:r>
+            <a:r>
+              <a:rPr lang="en-US" altLang="zh-TW" dirty="0">
+                <a:sym typeface="Wingdings" panose="05000000000000000000" pitchFamily="2" charset="2"/>
+              </a:rPr>
+              <a:t>(</a:t>
+            </a:r>
+            <a:r>
+              <a:rPr lang="zh-TW" altLang="en-US" dirty="0">
+                <a:sym typeface="Wingdings" panose="05000000000000000000" pitchFamily="2" charset="2"/>
+              </a:rPr>
+              <a:t>沒想到</a:t>
+            </a:r>
+            <a:r>
+              <a:rPr lang="en-US" altLang="zh-TW" dirty="0">
+                <a:sym typeface="Wingdings" panose="05000000000000000000" pitchFamily="2" charset="2"/>
+              </a:rPr>
+              <a:t>)</a:t>
+            </a:r>
+            <a:endParaRPr lang="zh-TW" altLang="en-US" dirty="0"/>
+          </a:p>
+        </p:txBody>
+      </p:sp>
+      <p:sp>
+        <p:nvSpPr>
+          <p:cNvPr id="11" name="文字方塊 10"/>
+          <p:cNvSpPr txBox="1"/>
+          <p:nvPr/>
+        </p:nvSpPr>
+        <p:spPr>
+          <a:xfrm>
+            <a:off x="207818" y="2701637"/>
+            <a:ext cx="10792691" cy="1200329"/>
+          </a:xfrm>
+          <a:prstGeom prst="rect">
+            <a:avLst/>
+          </a:prstGeom>
+          <a:noFill/>
+        </p:spPr>
+        <p:txBody>
+          <a:bodyPr wrap="square" rtlCol="0">
+            <a:spAutoFit/>
+          </a:bodyPr>
+          <a:lstStyle/>
+          <a:p>
+            <a:r>
+              <a:rPr lang="en-US" altLang="zh-TW" dirty="0"/>
+              <a:t>2</a:t>
+            </a:r>
+          </a:p>
+          <a:p>
+            <a:r>
+              <a:rPr lang="zh-TW" altLang="en-US" dirty="0"/>
+              <a:t>使用欄位：</a:t>
+            </a:r>
+            <a:r>
+              <a:rPr lang="zh-TW" altLang="en-US" b="1" dirty="0"/>
+              <a:t>事故當事者相關類別、道路狀況</a:t>
+            </a:r>
+            <a:endParaRPr lang="en-US" altLang="zh-TW" b="1" dirty="0"/>
+          </a:p>
+          <a:p>
+            <a:r>
+              <a:rPr lang="en-US" altLang="zh-TW" dirty="0"/>
+              <a:t>label</a:t>
+            </a:r>
+            <a:r>
+              <a:rPr lang="zh-TW" altLang="en-US" dirty="0"/>
+              <a:t>：事故位置</a:t>
+            </a:r>
+            <a:endParaRPr lang="en-US" altLang="zh-TW" dirty="0"/>
+          </a:p>
+          <a:p>
+            <a:r>
+              <a:rPr lang="zh-TW" altLang="en-US" dirty="0"/>
+              <a:t>目的：找出在不同道路位置發生事故的原因</a:t>
+            </a:r>
+            <a:endParaRPr lang="en-US" altLang="zh-TW" dirty="0"/>
+          </a:p>
+        </p:txBody>
+      </p:sp>
+      <p:sp>
+        <p:nvSpPr>
+          <p:cNvPr id="5" name="文字方塊 4"/>
+          <p:cNvSpPr txBox="1"/>
+          <p:nvPr/>
+        </p:nvSpPr>
+        <p:spPr>
+          <a:xfrm>
+            <a:off x="207818" y="4433455"/>
+            <a:ext cx="10792691" cy="1200329"/>
+          </a:xfrm>
+          <a:prstGeom prst="rect">
+            <a:avLst/>
+          </a:prstGeom>
+          <a:noFill/>
+        </p:spPr>
+        <p:txBody>
+          <a:bodyPr wrap="square" rtlCol="0">
+            <a:spAutoFit/>
+          </a:bodyPr>
+          <a:lstStyle/>
+          <a:p>
+            <a:r>
+              <a:rPr lang="en-US" altLang="zh-TW" dirty="0"/>
+              <a:t>3</a:t>
+            </a:r>
+          </a:p>
+          <a:p>
+            <a:r>
+              <a:rPr lang="zh-TW" altLang="en-US" dirty="0"/>
+              <a:t>使用欄位：</a:t>
+            </a:r>
+            <a:r>
+              <a:rPr lang="zh-TW" altLang="en-US" b="1" dirty="0"/>
+              <a:t>事故當事者相關類別、道路狀況、環境、事故位置</a:t>
+            </a:r>
+            <a:endParaRPr lang="en-US" altLang="zh-TW" b="1" dirty="0"/>
+          </a:p>
+          <a:p>
+            <a:r>
+              <a:rPr lang="en-US" altLang="zh-TW" dirty="0"/>
+              <a:t>label</a:t>
+            </a:r>
+            <a:r>
+              <a:rPr lang="zh-TW" altLang="en-US" dirty="0"/>
+              <a:t>：肇事研判</a:t>
+            </a:r>
+            <a:endParaRPr lang="en-US" altLang="zh-TW" dirty="0"/>
+          </a:p>
+          <a:p>
+            <a:r>
+              <a:rPr lang="zh-TW" altLang="en-US" dirty="0"/>
+              <a:t>目的：找出發生事故的原因，是當事者有違規行為，還是道路有障礙或設計不良導致事故。</a:t>
+            </a:r>
+            <a:endParaRPr lang="en-US" altLang="zh-TW" dirty="0"/>
+          </a:p>
+        </p:txBody>
+      </p:sp>
+    </p:spTree>
+    <p:extLst>
+      <p:ext uri="{BB962C8B-B14F-4D97-AF65-F5344CB8AC3E}">
+        <p14:creationId xmlns:p14="http://schemas.microsoft.com/office/powerpoint/2010/main" val="1065250204"/>
+      </p:ext>
+    </p:extLst>
+  </p:cSld>
+  <p:clrMapOvr>
+    <a:masterClrMapping/>
+  </p:clrMapOvr>
+</p:sld>
+</file>
+
+<file path=ppt/slides/slide4.xml><?xml version="1.0" encoding="utf-8"?>
 <p:sld xmlns:a="http://schemas.openxmlformats.org/drawingml/2006/main" xmlns:r="http://schemas.openxmlformats.org/officeDocument/2006/relationships" xmlns:p="http://schemas.openxmlformats.org/presentationml/2006/main">
   <p:cSld>
     <p:spTree>
@@ -4320,49 +4471,20 @@
       </p:grpSpPr>
       <p:sp>
         <p:nvSpPr>
-          <p:cNvPr id="9" name="文字方塊 8"/>
+          <p:cNvPr id="4" name="文字方塊 3">
+            <a:extLst>
+              <a:ext uri="{FF2B5EF4-FFF2-40B4-BE49-F238E27FC236}">
+                <a16:creationId xmlns:a16="http://schemas.microsoft.com/office/drawing/2014/main" id="{880EB283-472D-D24B-AD6A-15D4ACF3302C}"/>
+              </a:ext>
+            </a:extLst>
+          </p:cNvPr>
           <p:cNvSpPr txBox="1"/>
           <p:nvPr/>
         </p:nvSpPr>
         <p:spPr>
           <a:xfrm>
-            <a:off x="0" y="36822"/>
-            <a:ext cx="1338828" cy="369332"/>
-          </a:xfrm>
-          <a:prstGeom prst="rect">
-            <a:avLst/>
-          </a:prstGeom>
-          <a:noFill/>
-          <a:ln>
-            <a:solidFill>
-              <a:schemeClr val="tx2"/>
-            </a:solidFill>
-          </a:ln>
-        </p:spPr>
-        <p:txBody>
-          <a:bodyPr wrap="none" rtlCol="0">
-            <a:spAutoFit/>
-          </a:bodyPr>
-          <a:lstStyle/>
-          <a:p>
-            <a:r>
-              <a:rPr lang="zh-TW" altLang="en-US" dirty="0" smtClean="0"/>
-              <a:t>決策樹分析</a:t>
-            </a:r>
-            <a:endParaRPr lang="zh-TW" altLang="en-US" dirty="0"/>
-          </a:p>
-        </p:txBody>
-      </p:sp>
-      <p:sp>
-        <p:nvSpPr>
-          <p:cNvPr id="10" name="文字方塊 9"/>
-          <p:cNvSpPr txBox="1"/>
-          <p:nvPr/>
-        </p:nvSpPr>
-        <p:spPr>
-          <a:xfrm>
-            <a:off x="207818" y="969819"/>
-            <a:ext cx="3126177" cy="1200329"/>
+            <a:off x="0" y="0"/>
+            <a:ext cx="646331" cy="369332"/>
           </a:xfrm>
           <a:prstGeom prst="rect">
             <a:avLst/>
@@ -4376,226 +4498,16 @@
           <a:lstStyle/>
           <a:p>
             <a:r>
-              <a:rPr lang="en-US" altLang="zh-TW" dirty="0" smtClean="0"/>
-              <a:t>1</a:t>
-            </a:r>
-          </a:p>
-          <a:p>
-            <a:r>
-              <a:rPr lang="zh-TW" altLang="en-US" dirty="0" smtClean="0"/>
-              <a:t>使用欄位：</a:t>
-            </a:r>
-            <a:r>
-              <a:rPr lang="en-US" altLang="zh-TW" dirty="0" smtClean="0"/>
-              <a:t>(</a:t>
-            </a:r>
-            <a:r>
-              <a:rPr lang="zh-TW" altLang="en-US" dirty="0"/>
-              <a:t>待定</a:t>
-            </a:r>
-            <a:r>
-              <a:rPr lang="en-US" altLang="zh-TW" dirty="0" smtClean="0"/>
-              <a:t>)</a:t>
-            </a:r>
-          </a:p>
-          <a:p>
-            <a:r>
-              <a:rPr lang="en-US" altLang="zh-TW" dirty="0" smtClean="0"/>
-              <a:t>label</a:t>
-            </a:r>
-            <a:r>
-              <a:rPr lang="zh-TW" altLang="en-US" dirty="0" smtClean="0"/>
-              <a:t>：事故類別名稱</a:t>
-            </a:r>
-            <a:r>
-              <a:rPr lang="en-US" altLang="zh-TW" dirty="0" smtClean="0"/>
-              <a:t>(A1</a:t>
-            </a:r>
-            <a:r>
-              <a:rPr lang="zh-TW" altLang="en-US" dirty="0" smtClean="0"/>
-              <a:t>，</a:t>
-            </a:r>
-            <a:r>
-              <a:rPr lang="en-US" altLang="zh-TW" dirty="0" smtClean="0"/>
-              <a:t>A2)</a:t>
-            </a:r>
-          </a:p>
-          <a:p>
-            <a:r>
-              <a:rPr lang="zh-TW" altLang="en-US" dirty="0" smtClean="0"/>
-              <a:t>目的：</a:t>
-            </a:r>
-            <a:r>
-              <a:rPr lang="en-US" altLang="zh-TW" dirty="0" smtClean="0">
-                <a:sym typeface="Wingdings" panose="05000000000000000000" pitchFamily="2" charset="2"/>
-              </a:rPr>
-              <a:t>(</a:t>
-            </a:r>
-            <a:r>
-              <a:rPr lang="zh-TW" altLang="en-US" dirty="0" smtClean="0">
-                <a:sym typeface="Wingdings" panose="05000000000000000000" pitchFamily="2" charset="2"/>
-              </a:rPr>
-              <a:t>沒想到</a:t>
-            </a:r>
-            <a:r>
-              <a:rPr lang="en-US" altLang="zh-TW" dirty="0" smtClean="0">
-                <a:sym typeface="Wingdings" panose="05000000000000000000" pitchFamily="2" charset="2"/>
-              </a:rPr>
-              <a:t>)</a:t>
-            </a:r>
-            <a:endParaRPr lang="zh-TW" altLang="en-US" dirty="0"/>
-          </a:p>
-        </p:txBody>
-      </p:sp>
-      <p:sp>
-        <p:nvSpPr>
-          <p:cNvPr id="11" name="文字方塊 10"/>
-          <p:cNvSpPr txBox="1"/>
-          <p:nvPr/>
-        </p:nvSpPr>
-        <p:spPr>
-          <a:xfrm>
-            <a:off x="207818" y="2701637"/>
-            <a:ext cx="10792691" cy="1200329"/>
-          </a:xfrm>
-          <a:prstGeom prst="rect">
-            <a:avLst/>
-          </a:prstGeom>
-          <a:noFill/>
-        </p:spPr>
-        <p:txBody>
-          <a:bodyPr wrap="square" rtlCol="0">
-            <a:spAutoFit/>
-          </a:bodyPr>
-          <a:lstStyle/>
-          <a:p>
-            <a:r>
-              <a:rPr lang="en-US" altLang="zh-TW" dirty="0" smtClean="0"/>
-              <a:t>2</a:t>
-            </a:r>
-          </a:p>
-          <a:p>
-            <a:r>
-              <a:rPr lang="zh-TW" altLang="en-US" dirty="0" smtClean="0"/>
-              <a:t>使用欄位：</a:t>
-            </a:r>
-            <a:r>
-              <a:rPr lang="zh-TW" altLang="en-US" b="1" dirty="0" smtClean="0"/>
-              <a:t>事故當事者相關類別、道路狀況</a:t>
-            </a:r>
-            <a:endParaRPr lang="en-US" altLang="zh-TW" b="1" dirty="0" smtClean="0"/>
-          </a:p>
-          <a:p>
-            <a:r>
-              <a:rPr lang="en-US" altLang="zh-TW" dirty="0" smtClean="0"/>
-              <a:t>label</a:t>
-            </a:r>
-            <a:r>
-              <a:rPr lang="zh-TW" altLang="en-US" dirty="0" smtClean="0"/>
-              <a:t>：事故位置</a:t>
-            </a:r>
-            <a:endParaRPr lang="en-US" altLang="zh-TW" dirty="0" smtClean="0"/>
-          </a:p>
-          <a:p>
-            <a:r>
-              <a:rPr lang="zh-TW" altLang="en-US" dirty="0" smtClean="0"/>
-              <a:t>目的：找出在不同道路位置發生事故的原因</a:t>
-            </a:r>
-            <a:endParaRPr lang="en-US" altLang="zh-TW" dirty="0"/>
-          </a:p>
-        </p:txBody>
-      </p:sp>
-      <p:sp>
-        <p:nvSpPr>
-          <p:cNvPr id="5" name="文字方塊 4"/>
-          <p:cNvSpPr txBox="1"/>
-          <p:nvPr/>
-        </p:nvSpPr>
-        <p:spPr>
-          <a:xfrm>
-            <a:off x="207818" y="4433455"/>
-            <a:ext cx="10792691" cy="1200329"/>
-          </a:xfrm>
-          <a:prstGeom prst="rect">
-            <a:avLst/>
-          </a:prstGeom>
-          <a:noFill/>
-        </p:spPr>
-        <p:txBody>
-          <a:bodyPr wrap="square" rtlCol="0">
-            <a:spAutoFit/>
-          </a:bodyPr>
-          <a:lstStyle/>
-          <a:p>
-            <a:r>
-              <a:rPr lang="en-US" altLang="zh-TW" dirty="0" smtClean="0"/>
-              <a:t>3</a:t>
-            </a:r>
-            <a:endParaRPr lang="en-US" altLang="zh-TW" dirty="0" smtClean="0"/>
-          </a:p>
-          <a:p>
-            <a:r>
-              <a:rPr lang="zh-TW" altLang="en-US" dirty="0" smtClean="0"/>
-              <a:t>使用欄位：</a:t>
-            </a:r>
-            <a:r>
-              <a:rPr lang="zh-TW" altLang="en-US" b="1" dirty="0" smtClean="0"/>
-              <a:t>事故當事者相關類別、道路</a:t>
-            </a:r>
-            <a:r>
-              <a:rPr lang="zh-TW" altLang="en-US" b="1" dirty="0"/>
-              <a:t>狀況</a:t>
-            </a:r>
-            <a:r>
-              <a:rPr lang="zh-TW" altLang="en-US" b="1" dirty="0" smtClean="0"/>
-              <a:t>、環境、事故位置</a:t>
-            </a:r>
-            <a:endParaRPr lang="en-US" altLang="zh-TW" b="1" dirty="0" smtClean="0"/>
-          </a:p>
-          <a:p>
-            <a:r>
-              <a:rPr lang="en-US" altLang="zh-TW" dirty="0" smtClean="0"/>
-              <a:t>label</a:t>
-            </a:r>
-            <a:r>
-              <a:rPr lang="zh-TW" altLang="en-US" dirty="0" smtClean="0"/>
-              <a:t>：</a:t>
-            </a:r>
-            <a:r>
-              <a:rPr lang="zh-TW" altLang="en-US" dirty="0"/>
-              <a:t>肇事研判</a:t>
-            </a:r>
-            <a:endParaRPr lang="en-US" altLang="zh-TW" dirty="0"/>
-          </a:p>
-          <a:p>
-            <a:r>
-              <a:rPr lang="zh-TW" altLang="en-US" dirty="0" smtClean="0"/>
-              <a:t>目的</a:t>
-            </a:r>
-            <a:r>
-              <a:rPr lang="zh-TW" altLang="en-US" dirty="0" smtClean="0"/>
-              <a:t>：</a:t>
-            </a:r>
-            <a:r>
-              <a:rPr lang="zh-TW" altLang="en-US" dirty="0" smtClean="0"/>
-              <a:t>找出發生</a:t>
-            </a:r>
-            <a:r>
-              <a:rPr lang="zh-TW" altLang="en-US" dirty="0" smtClean="0"/>
-              <a:t>事故的</a:t>
-            </a:r>
-            <a:r>
-              <a:rPr lang="zh-TW" altLang="en-US" dirty="0" smtClean="0"/>
-              <a:t>原因，是當事者有違規行為，還是道路有障礙或設計不良導致事故。</a:t>
-            </a:r>
-            <a:endParaRPr lang="en-US" altLang="zh-TW" dirty="0"/>
+              <a:rPr kumimoji="1" lang="zh-TW" altLang="en-US" dirty="0"/>
+              <a:t>分群</a:t>
+            </a:r>
           </a:p>
         </p:txBody>
       </p:sp>
     </p:spTree>
     <p:extLst>
       <p:ext uri="{BB962C8B-B14F-4D97-AF65-F5344CB8AC3E}">
-        <p14:creationId xmlns:p14="http://schemas.microsoft.com/office/powerpoint/2010/main" val="1065250204"/>
+        <p14:creationId xmlns:p14="http://schemas.microsoft.com/office/powerpoint/2010/main" val="403373201"/>
       </p:ext>
     </p:extLst>
   </p:cSld>
